--- a/dbstudy/OraclePPT/9. 관계 모델링.pptx
+++ b/dbstudy/OraclePPT/9. 관계 모델링.pptx
@@ -221,7 +221,7 @@
           <a:p>
             <a:fld id="{E150CED1-0BD3-437E-982C-E8005E10CB37}" type="datetimeFigureOut">
               <a:rPr lang="ko-KR" altLang="en-US" smtClean="0"/>
-              <a:t>2021-03-31</a:t>
+              <a:t>2021-09-07</a:t>
             </a:fld>
             <a:endParaRPr lang="ko-KR" altLang="en-US"/>
           </a:p>
@@ -2475,11 +2475,7 @@
           <a:p>
             <a:r>
               <a:rPr lang="en-US" altLang="ko-KR" dirty="0" smtClean="0"/>
-              <a:t>2021 </a:t>
-            </a:r>
-            <a:r>
-              <a:rPr lang="en-US" altLang="ko-KR" dirty="0" smtClean="0"/>
-              <a:t>DBMS</a:t>
+              <a:t>2021 DBMS</a:t>
             </a:r>
             <a:endParaRPr lang="ko-KR" altLang="en-US" dirty="0"/>
           </a:p>
